--- a/Project3Group9.pptx
+++ b/Project3Group9.pptx
@@ -297,7 +297,7 @@
             <a:fld id="{1D8BD707-D9CF-40AE-B4C6-C98DA3205C09}" type="datetimeFigureOut">
               <a:rPr lang="en-US" smtClean="0"/>
               <a:pPr/>
-              <a:t>3/22/16</a:t>
+              <a:t>3/23/16</a:t>
             </a:fld>
             <a:endParaRPr lang="en-US"/>
           </a:p>
@@ -464,7 +464,7 @@
             <a:fld id="{1D8BD707-D9CF-40AE-B4C6-C98DA3205C09}" type="datetimeFigureOut">
               <a:rPr lang="en-US" smtClean="0"/>
               <a:pPr/>
-              <a:t>3/22/16</a:t>
+              <a:t>3/23/16</a:t>
             </a:fld>
             <a:endParaRPr lang="en-US"/>
           </a:p>
@@ -641,7 +641,7 @@
             <a:fld id="{1D8BD707-D9CF-40AE-B4C6-C98DA3205C09}" type="datetimeFigureOut">
               <a:rPr lang="en-US" smtClean="0"/>
               <a:pPr/>
-              <a:t>3/22/16</a:t>
+              <a:t>3/23/16</a:t>
             </a:fld>
             <a:endParaRPr lang="en-US"/>
           </a:p>
@@ -808,7 +808,7 @@
             <a:fld id="{1D8BD707-D9CF-40AE-B4C6-C98DA3205C09}" type="datetimeFigureOut">
               <a:rPr lang="en-US" smtClean="0"/>
               <a:pPr/>
-              <a:t>3/22/16</a:t>
+              <a:t>3/23/16</a:t>
             </a:fld>
             <a:endParaRPr lang="en-US"/>
           </a:p>
@@ -1051,7 +1051,7 @@
             <a:fld id="{1D8BD707-D9CF-40AE-B4C6-C98DA3205C09}" type="datetimeFigureOut">
               <a:rPr lang="en-US" smtClean="0"/>
               <a:pPr/>
-              <a:t>3/22/16</a:t>
+              <a:t>3/23/16</a:t>
             </a:fld>
             <a:endParaRPr lang="en-US"/>
           </a:p>
@@ -1336,7 +1336,7 @@
             <a:fld id="{1D8BD707-D9CF-40AE-B4C6-C98DA3205C09}" type="datetimeFigureOut">
               <a:rPr lang="en-US" smtClean="0"/>
               <a:pPr/>
-              <a:t>3/22/16</a:t>
+              <a:t>3/23/16</a:t>
             </a:fld>
             <a:endParaRPr lang="en-US"/>
           </a:p>
@@ -1755,7 +1755,7 @@
             <a:fld id="{1D8BD707-D9CF-40AE-B4C6-C98DA3205C09}" type="datetimeFigureOut">
               <a:rPr lang="en-US" smtClean="0"/>
               <a:pPr/>
-              <a:t>3/22/16</a:t>
+              <a:t>3/23/16</a:t>
             </a:fld>
             <a:endParaRPr lang="en-US"/>
           </a:p>
@@ -1870,7 +1870,7 @@
             <a:fld id="{1D8BD707-D9CF-40AE-B4C6-C98DA3205C09}" type="datetimeFigureOut">
               <a:rPr lang="en-US" smtClean="0"/>
               <a:pPr/>
-              <a:t>3/22/16</a:t>
+              <a:t>3/23/16</a:t>
             </a:fld>
             <a:endParaRPr lang="en-US"/>
           </a:p>
@@ -1962,7 +1962,7 @@
             <a:fld id="{1D8BD707-D9CF-40AE-B4C6-C98DA3205C09}" type="datetimeFigureOut">
               <a:rPr lang="en-US" smtClean="0"/>
               <a:pPr/>
-              <a:t>3/22/16</a:t>
+              <a:t>3/23/16</a:t>
             </a:fld>
             <a:endParaRPr lang="en-US"/>
           </a:p>
@@ -2236,7 +2236,7 @@
             <a:fld id="{1D8BD707-D9CF-40AE-B4C6-C98DA3205C09}" type="datetimeFigureOut">
               <a:rPr lang="en-US" smtClean="0"/>
               <a:pPr/>
-              <a:t>3/22/16</a:t>
+              <a:t>3/23/16</a:t>
             </a:fld>
             <a:endParaRPr lang="en-US"/>
           </a:p>
@@ -2486,7 +2486,7 @@
             <a:fld id="{1D8BD707-D9CF-40AE-B4C6-C98DA3205C09}" type="datetimeFigureOut">
               <a:rPr lang="en-US" smtClean="0"/>
               <a:pPr/>
-              <a:t>3/22/16</a:t>
+              <a:t>3/23/16</a:t>
             </a:fld>
             <a:endParaRPr lang="en-US"/>
           </a:p>
@@ -2696,7 +2696,7 @@
             <a:fld id="{1D8BD707-D9CF-40AE-B4C6-C98DA3205C09}" type="datetimeFigureOut">
               <a:rPr lang="en-US" smtClean="0"/>
               <a:pPr/>
-              <a:t>3/22/16</a:t>
+              <a:t>3/23/16</a:t>
             </a:fld>
             <a:endParaRPr lang="en-US"/>
           </a:p>
@@ -9392,7 +9392,15 @@
                   <a:srgbClr val="1F497D"/>
                 </a:solidFill>
               </a:rPr>
-              <a:t>Baseline – Color Histogram</a:t>
+              <a:t>GBM – </a:t>
+            </a:r>
+            <a:r>
+              <a:rPr lang="en-US" sz="2600" dirty="0" smtClean="0">
+                <a:solidFill>
+                  <a:srgbClr val="1F497D"/>
+                </a:solidFill>
+              </a:rPr>
+              <a:t>Color Histogram</a:t>
             </a:r>
           </a:p>
           <a:p>
@@ -10738,8 +10746,32 @@
                   <a:schemeClr val="tx2"/>
                 </a:solidFill>
               </a:rPr>
-              <a:t>Performance improvement</a:t>
-            </a:r>
+              <a:t>Performance </a:t>
+            </a:r>
+            <a:r>
+              <a:rPr lang="en-US" sz="2400" dirty="0" smtClean="0">
+                <a:solidFill>
+                  <a:schemeClr val="tx2"/>
+                </a:solidFill>
+              </a:rPr>
+              <a:t>improvement</a:t>
+            </a:r>
+          </a:p>
+          <a:p>
+            <a:pPr marL="857250" lvl="1" indent="-457200"/>
+            <a:r>
+              <a:rPr lang="en-US" sz="2000" dirty="0" smtClean="0">
+                <a:solidFill>
+                  <a:srgbClr val="FF0000"/>
+                </a:solidFill>
+              </a:rPr>
+              <a:t>Reduction in testing error from 33% to 29%</a:t>
+            </a:r>
+            <a:endParaRPr lang="en-US" sz="2000" dirty="0" smtClean="0">
+              <a:solidFill>
+                <a:srgbClr val="FF0000"/>
+              </a:solidFill>
+            </a:endParaRPr>
           </a:p>
           <a:p>
             <a:pPr marL="457200" indent="-457200">

--- a/Project3Group9.pptx
+++ b/Project3Group9.pptx
@@ -16032,7 +16032,7 @@
               <a:buNone/>
             </a:pPr>
             <a:r>
-              <a:rPr lang="en-US" sz="2600">
+              <a:rPr lang="en-US" sz="2600" smtClean="0">
                 <a:solidFill>
                   <a:srgbClr val="1F497D"/>
                 </a:solidFill>
@@ -16041,8 +16041,20 @@
                 <a:cs typeface="Calibri"/>
                 <a:sym typeface="Calibri"/>
               </a:rPr>
-              <a:t>Baseline – Color Histogram</a:t>
+              <a:t>GBM </a:t>
             </a:r>
+            <a:r>
+              <a:rPr lang="en-US" sz="2600" dirty="0">
+                <a:solidFill>
+                  <a:srgbClr val="1F497D"/>
+                </a:solidFill>
+                <a:latin typeface="Calibri"/>
+                <a:ea typeface="Calibri"/>
+                <a:cs typeface="Calibri"/>
+                <a:sym typeface="Calibri"/>
+              </a:rPr>
+              <a:t>– Color Histogram</a:t>
+            </a:r>
           </a:p>
           <a:p>
             <a:pPr marL="0" marR="0" lvl="0" indent="0" algn="ctr" rtl="0">
@@ -16058,7 +16070,7 @@
               <a:buFont typeface="Arial"/>
               <a:buNone/>
             </a:pPr>
-            <a:endParaRPr sz="2600">
+            <a:endParaRPr sz="2600" dirty="0">
               <a:solidFill>
                 <a:srgbClr val="1F497D"/>
               </a:solidFill>
@@ -16084,7 +16096,7 @@
               <a:buNone/>
             </a:pPr>
             <a:r>
-              <a:rPr lang="en-US" sz="2600">
+              <a:rPr lang="en-US" sz="2600" dirty="0">
                 <a:solidFill>
                   <a:srgbClr val="1F497D"/>
                 </a:solidFill>
@@ -16112,7 +16124,7 @@
               <a:buNone/>
             </a:pPr>
             <a:r>
-              <a:rPr lang="en-US" sz="2600">
+              <a:rPr lang="en-US" sz="2600" dirty="0">
                 <a:solidFill>
                   <a:srgbClr val="1F497D"/>
                 </a:solidFill>
@@ -16135,7 +16147,7 @@
               <a:buFont typeface="Arial"/>
               <a:buNone/>
             </a:pPr>
-            <a:endParaRPr sz="2600">
+            <a:endParaRPr sz="2600" dirty="0">
               <a:solidFill>
                 <a:srgbClr val="1F497D"/>
               </a:solidFill>
@@ -16384,7 +16396,7 @@
               <a:buNone/>
             </a:pPr>
             <a:r>
-              <a:rPr lang="en-US" sz="2600">
+              <a:rPr lang="en-US" sz="2600" dirty="0">
                 <a:solidFill>
                   <a:srgbClr val="1F497D"/>
                 </a:solidFill>
@@ -16410,7 +16422,7 @@
               <a:buFont typeface="Arial"/>
               <a:buNone/>
             </a:pPr>
-            <a:endParaRPr sz="2600">
+            <a:endParaRPr sz="2600" dirty="0">
               <a:solidFill>
                 <a:srgbClr val="1F497D"/>
               </a:solidFill>
@@ -16436,7 +16448,7 @@
               <a:buNone/>
             </a:pPr>
             <a:r>
-              <a:rPr lang="en-US" sz="2600">
+              <a:rPr lang="en-US" sz="2600" dirty="0">
                 <a:solidFill>
                   <a:schemeClr val="dk2"/>
                 </a:solidFill>
@@ -16448,7 +16460,7 @@
               <a:t>Training error – </a:t>
             </a:r>
             <a:r>
-              <a:rPr lang="en-US" sz="2600">
+              <a:rPr lang="en-US" sz="2600" dirty="0">
                 <a:solidFill>
                   <a:srgbClr val="C0504D"/>
                 </a:solidFill>
@@ -16476,7 +16488,7 @@
               <a:buNone/>
             </a:pPr>
             <a:r>
-              <a:rPr lang="en-US" sz="2600">
+              <a:rPr lang="en-US" sz="2600" dirty="0">
                 <a:solidFill>
                   <a:schemeClr val="dk2"/>
                 </a:solidFill>
@@ -16488,7 +16500,7 @@
               <a:t>Testing error – </a:t>
             </a:r>
             <a:r>
-              <a:rPr lang="en-US" sz="2600">
+              <a:rPr lang="en-US" sz="2600" dirty="0">
                 <a:solidFill>
                   <a:srgbClr val="C0504D"/>
                 </a:solidFill>
@@ -16511,7 +16523,7 @@
               <a:buFont typeface="Arial"/>
               <a:buNone/>
             </a:pPr>
-            <a:endParaRPr sz="2600">
+            <a:endParaRPr sz="2600" dirty="0">
               <a:solidFill>
                 <a:srgbClr val="1F497D"/>
               </a:solidFill>

--- a/Project3Group9.pptx
+++ b/Project3Group9.pptx
@@ -15250,7 +15250,7 @@
               <a:buChar char="•"/>
             </a:pPr>
             <a:r>
-              <a:rPr lang="en-US" sz="2400">
+              <a:rPr lang="en-US" sz="2400" dirty="0">
                 <a:solidFill>
                   <a:schemeClr val="dk2"/>
                 </a:solidFill>
@@ -15259,7 +15259,43 @@
                 <a:cs typeface="Calibri"/>
                 <a:sym typeface="Calibri"/>
               </a:rPr>
-              <a:t>Used kvsm library</a:t>
+              <a:t>Used </a:t>
+            </a:r>
+            <a:r>
+              <a:rPr lang="en-US" sz="2400" dirty="0" err="1" smtClean="0">
+                <a:solidFill>
+                  <a:schemeClr val="dk2"/>
+                </a:solidFill>
+                <a:latin typeface="Calibri"/>
+                <a:ea typeface="Calibri"/>
+                <a:cs typeface="Calibri"/>
+                <a:sym typeface="Calibri"/>
+              </a:rPr>
+              <a:t>ksvm</a:t>
+            </a:r>
+            <a:r>
+              <a:rPr lang="en-US" sz="2400" dirty="0" smtClean="0">
+                <a:solidFill>
+                  <a:schemeClr val="dk2"/>
+                </a:solidFill>
+                <a:latin typeface="Calibri"/>
+                <a:ea typeface="Calibri"/>
+                <a:cs typeface="Calibri"/>
+                <a:sym typeface="Calibri"/>
+              </a:rPr>
+              <a:t> </a:t>
+            </a:r>
+            <a:r>
+              <a:rPr lang="en-US" sz="2400" dirty="0">
+                <a:solidFill>
+                  <a:schemeClr val="dk2"/>
+                </a:solidFill>
+                <a:latin typeface="Calibri"/>
+                <a:ea typeface="Calibri"/>
+                <a:cs typeface="Calibri"/>
+                <a:sym typeface="Calibri"/>
+              </a:rPr>
+              <a:t>library</a:t>
             </a:r>
           </a:p>
           <a:p>
@@ -15278,7 +15314,7 @@
               <a:buChar char="•"/>
             </a:pPr>
             <a:r>
-              <a:rPr lang="en-US" sz="2400">
+              <a:rPr lang="en-US" sz="2400" dirty="0">
                 <a:solidFill>
                   <a:schemeClr val="dk2"/>
                 </a:solidFill>
@@ -15306,7 +15342,7 @@
               <a:buChar char="•"/>
             </a:pPr>
             <a:r>
-              <a:rPr lang="en-US" sz="2400">
+              <a:rPr lang="en-US" sz="2400" dirty="0">
                 <a:solidFill>
                   <a:schemeClr val="dk2"/>
                 </a:solidFill>
@@ -15315,8 +15351,32 @@
                 <a:cs typeface="Calibri"/>
                 <a:sym typeface="Calibri"/>
               </a:rPr>
-              <a:t>Used linear kernel “vanilladot”</a:t>
+              <a:t>Used linear kernel “</a:t>
             </a:r>
+            <a:r>
+              <a:rPr lang="en-US" sz="2400" dirty="0" err="1">
+                <a:solidFill>
+                  <a:schemeClr val="dk2"/>
+                </a:solidFill>
+                <a:latin typeface="Calibri"/>
+                <a:ea typeface="Calibri"/>
+                <a:cs typeface="Calibri"/>
+                <a:sym typeface="Calibri"/>
+              </a:rPr>
+              <a:t>vanilladot</a:t>
+            </a:r>
+            <a:r>
+              <a:rPr lang="en-US" sz="2400" dirty="0">
+                <a:solidFill>
+                  <a:schemeClr val="dk2"/>
+                </a:solidFill>
+                <a:latin typeface="Calibri"/>
+                <a:ea typeface="Calibri"/>
+                <a:cs typeface="Calibri"/>
+                <a:sym typeface="Calibri"/>
+              </a:rPr>
+              <a:t>”</a:t>
+            </a:r>
           </a:p>
           <a:p>
             <a:pPr marL="285750" marR="0" lvl="0" indent="-285750" algn="l" rtl="0">
@@ -15332,7 +15392,7 @@
               <a:buFont typeface="Arial"/>
               <a:buNone/>
             </a:pPr>
-            <a:endParaRPr sz="2400">
+            <a:endParaRPr sz="2400" dirty="0">
               <a:solidFill>
                 <a:schemeClr val="dk2"/>
               </a:solidFill>
@@ -15356,7 +15416,7 @@
               <a:buFont typeface="Arial"/>
               <a:buNone/>
             </a:pPr>
-            <a:endParaRPr sz="2400">
+            <a:endParaRPr sz="2400" dirty="0">
               <a:solidFill>
                 <a:schemeClr val="dk2"/>
               </a:solidFill>
@@ -15380,7 +15440,7 @@
               <a:buFont typeface="Arial"/>
               <a:buNone/>
             </a:pPr>
-            <a:endParaRPr sz="2400">
+            <a:endParaRPr sz="2400" dirty="0">
               <a:solidFill>
                 <a:schemeClr val="dk2"/>
               </a:solidFill>
@@ -15406,7 +15466,7 @@
               <a:buNone/>
             </a:pPr>
             <a:r>
-              <a:rPr lang="en-US" sz="2400">
+              <a:rPr lang="en-US" sz="2400" dirty="0">
                 <a:solidFill>
                   <a:srgbClr val="C0504D"/>
                 </a:solidFill>
@@ -15429,7 +15489,7 @@
               <a:buFont typeface="Arial"/>
               <a:buNone/>
             </a:pPr>
-            <a:endParaRPr sz="1600" b="0" i="0" u="none" strike="noStrike" cap="none">
+            <a:endParaRPr sz="1600" b="0" i="0" u="none" strike="noStrike" cap="none" dirty="0">
               <a:solidFill>
                 <a:schemeClr val="dk2"/>
               </a:solidFill>
